--- a/Learning Phase/Week 3/Day 11/Slides/5. Communicate between Multiple Containers/communicate-between-multiple-containers-slides.pptx
+++ b/Learning Phase/Week 3/Day 11/Slides/5. Communicate between Multiple Containers/communicate-between-multiple-containers-slides.pptx
@@ -5,31 +5,31 @@
     <p:sldMasterId id="2147483648" r:id="rId1"/>
   </p:sldMasterIdLst>
   <p:notesMasterIdLst>
-    <p:notesMasterId r:id="rId25"/>
+    <p:notesMasterId r:id="rId24"/>
   </p:notesMasterIdLst>
   <p:sldIdLst>
-    <p:sldId id="256" r:id="rId3"/>
-    <p:sldId id="257" r:id="rId4"/>
-    <p:sldId id="258" r:id="rId5"/>
-    <p:sldId id="259" r:id="rId6"/>
-    <p:sldId id="260" r:id="rId7"/>
-    <p:sldId id="261" r:id="rId8"/>
-    <p:sldId id="262" r:id="rId9"/>
-    <p:sldId id="263" r:id="rId10"/>
-    <p:sldId id="264" r:id="rId11"/>
-    <p:sldId id="265" r:id="rId12"/>
-    <p:sldId id="266" r:id="rId13"/>
-    <p:sldId id="267" r:id="rId14"/>
-    <p:sldId id="268" r:id="rId15"/>
-    <p:sldId id="269" r:id="rId16"/>
-    <p:sldId id="270" r:id="rId17"/>
-    <p:sldId id="271" r:id="rId18"/>
-    <p:sldId id="272" r:id="rId19"/>
-    <p:sldId id="273" r:id="rId20"/>
-    <p:sldId id="274" r:id="rId21"/>
-    <p:sldId id="275" r:id="rId22"/>
-    <p:sldId id="276" r:id="rId23"/>
-    <p:sldId id="277" r:id="rId24"/>
+    <p:sldId id="256" r:id="rId2"/>
+    <p:sldId id="257" r:id="rId3"/>
+    <p:sldId id="258" r:id="rId4"/>
+    <p:sldId id="259" r:id="rId5"/>
+    <p:sldId id="260" r:id="rId6"/>
+    <p:sldId id="261" r:id="rId7"/>
+    <p:sldId id="262" r:id="rId8"/>
+    <p:sldId id="263" r:id="rId9"/>
+    <p:sldId id="264" r:id="rId10"/>
+    <p:sldId id="265" r:id="rId11"/>
+    <p:sldId id="266" r:id="rId12"/>
+    <p:sldId id="267" r:id="rId13"/>
+    <p:sldId id="268" r:id="rId14"/>
+    <p:sldId id="269" r:id="rId15"/>
+    <p:sldId id="270" r:id="rId16"/>
+    <p:sldId id="271" r:id="rId17"/>
+    <p:sldId id="272" r:id="rId18"/>
+    <p:sldId id="273" r:id="rId19"/>
+    <p:sldId id="274" r:id="rId20"/>
+    <p:sldId id="275" r:id="rId21"/>
+    <p:sldId id="276" r:id="rId22"/>
+    <p:sldId id="277" r:id="rId23"/>
   </p:sldIdLst>
   <p:sldSz cx="18288000" cy="10287000"/>
   <p:notesSz cx="18288000" cy="10287000"/>
@@ -125,6 +125,22 @@
       </a:defRPr>
     </a:lvl9pPr>
   </p:defaultTextStyle>
+  <p:extLst>
+    <p:ext uri="{EFAFB233-063F-42B5-8137-9DF3F51BA10A}">
+      <p15:sldGuideLst xmlns:p15="http://schemas.microsoft.com/office/powerpoint/2012/main">
+        <p15:guide id="1" orient="horz" pos="2880">
+          <p15:clr>
+            <a:srgbClr val="A4A3A4"/>
+          </p15:clr>
+        </p15:guide>
+        <p15:guide id="2" pos="2167">
+          <p15:clr>
+            <a:srgbClr val="A4A3A4"/>
+          </p15:clr>
+        </p15:guide>
+      </p15:sldGuideLst>
+    </p:ext>
+  </p:extLst>
 </p:presentation>
 </file>
 
@@ -210,6 +226,7 @@
           <a:p>
             <a:fld id="{3EFD42F7-718C-4B98-AAEC-167E6DDD60A7}" type="datetimeFigureOut">
               <a:rPr lang="en-US" smtClean="0"/>
+              <a:t>12/11/2024</a:t>
             </a:fld>
             <a:endParaRPr lang="en-US"/>
           </a:p>
@@ -273,42 +290,37 @@
           <a:p>
             <a:pPr lvl="0"/>
             <a:r>
-              <a:rPr lang="en-US" smtClean="0"/>
+              <a:rPr lang="en-US"/>
               <a:t>Click to edit Master text styles</a:t>
             </a:r>
-            <a:endParaRPr lang="en-US" smtClean="0"/>
           </a:p>
           <a:p>
             <a:pPr lvl="1"/>
             <a:r>
-              <a:rPr lang="en-US" smtClean="0"/>
+              <a:rPr lang="en-US"/>
               <a:t>Second level</a:t>
             </a:r>
-            <a:endParaRPr lang="en-US" smtClean="0"/>
           </a:p>
           <a:p>
             <a:pPr lvl="2"/>
             <a:r>
-              <a:rPr lang="en-US" smtClean="0"/>
+              <a:rPr lang="en-US"/>
               <a:t>Third level</a:t>
             </a:r>
-            <a:endParaRPr lang="en-US" smtClean="0"/>
           </a:p>
           <a:p>
             <a:pPr lvl="3"/>
             <a:r>
-              <a:rPr lang="en-US" smtClean="0"/>
+              <a:rPr lang="en-US"/>
               <a:t>Fourth level</a:t>
             </a:r>
-            <a:endParaRPr lang="en-US" smtClean="0"/>
           </a:p>
           <a:p>
             <a:pPr lvl="4"/>
             <a:r>
-              <a:rPr lang="en-US" smtClean="0"/>
+              <a:rPr lang="en-US"/>
               <a:t>Fifth level</a:t>
             </a:r>
-            <a:endParaRPr lang="en-US"/>
           </a:p>
         </p:txBody>
       </p:sp>
@@ -372,6 +384,7 @@
           <a:p>
             <a:fld id="{21B2AA4F-B828-4D7C-AFD3-893933DAFCB4}" type="slidenum">
               <a:rPr lang="en-US" smtClean="0"/>
+              <a:t>‹#›</a:t>
             </a:fld>
             <a:endParaRPr lang="en-US"/>
           </a:p>
@@ -520,7 +533,9 @@
               <a:defRPr/>
             </a:lvl1pPr>
           </a:lstStyle>
-          <a:p/>
+          <a:p>
+            <a:endParaRPr/>
+          </a:p>
         </p:txBody>
       </p:sp>
       <p:sp>
@@ -551,7 +566,9 @@
               <a:defRPr/>
             </a:lvl1pPr>
           </a:lstStyle>
-          <a:p/>
+          <a:p>
+            <a:endParaRPr/>
+          </a:p>
         </p:txBody>
       </p:sp>
       <p:sp>
@@ -578,7 +595,9 @@
               </a:defRPr>
             </a:lvl1pPr>
           </a:lstStyle>
-          <a:p/>
+          <a:p>
+            <a:endParaRPr/>
+          </a:p>
         </p:txBody>
       </p:sp>
       <p:sp>
@@ -608,6 +627,7 @@
           <a:p>
             <a:fld id="{1D8BD707-D9CF-40AE-B4C6-C98DA3205C09}" type="datetimeFigureOut">
               <a:rPr lang="en-US"/>
+              <a:t>12/11/2024</a:t>
             </a:fld>
             <a:endParaRPr lang="en-US"/>
           </a:p>
@@ -640,6 +660,7 @@
           <a:p>
             <a:fld id="{B6F15528-21DE-4FAA-801E-634DDDAF4B2B}" type="slidenum">
               <a:rPr/>
+              <a:t>‹#›</a:t>
             </a:fld>
             <a:endParaRPr/>
           </a:p>
@@ -695,7 +716,9 @@
               </a:defRPr>
             </a:lvl1pPr>
           </a:lstStyle>
-          <a:p/>
+          <a:p>
+            <a:endParaRPr/>
+          </a:p>
         </p:txBody>
       </p:sp>
       <p:sp>
@@ -716,7 +739,9 @@
               <a:defRPr/>
             </a:lvl1pPr>
           </a:lstStyle>
-          <a:p/>
+          <a:p>
+            <a:endParaRPr/>
+          </a:p>
         </p:txBody>
       </p:sp>
       <p:sp>
@@ -743,7 +768,9 @@
               </a:defRPr>
             </a:lvl1pPr>
           </a:lstStyle>
-          <a:p/>
+          <a:p>
+            <a:endParaRPr/>
+          </a:p>
         </p:txBody>
       </p:sp>
       <p:sp>
@@ -773,6 +800,7 @@
           <a:p>
             <a:fld id="{1D8BD707-D9CF-40AE-B4C6-C98DA3205C09}" type="datetimeFigureOut">
               <a:rPr lang="en-US"/>
+              <a:t>12/11/2024</a:t>
             </a:fld>
             <a:endParaRPr lang="en-US"/>
           </a:p>
@@ -805,6 +833,7 @@
           <a:p>
             <a:fld id="{B6F15528-21DE-4FAA-801E-634DDDAF4B2B}" type="slidenum">
               <a:rPr/>
+              <a:t>‹#›</a:t>
             </a:fld>
             <a:endParaRPr/>
           </a:p>
@@ -860,7 +889,9 @@
               </a:defRPr>
             </a:lvl1pPr>
           </a:lstStyle>
-          <a:p/>
+          <a:p>
+            <a:endParaRPr/>
+          </a:p>
         </p:txBody>
       </p:sp>
       <p:sp>
@@ -891,7 +922,9 @@
               <a:defRPr/>
             </a:lvl1pPr>
           </a:lstStyle>
-          <a:p/>
+          <a:p>
+            <a:endParaRPr/>
+          </a:p>
         </p:txBody>
       </p:sp>
       <p:sp>
@@ -922,7 +955,9 @@
               <a:defRPr/>
             </a:lvl1pPr>
           </a:lstStyle>
-          <a:p/>
+          <a:p>
+            <a:endParaRPr/>
+          </a:p>
         </p:txBody>
       </p:sp>
       <p:sp>
@@ -949,7 +984,9 @@
               </a:defRPr>
             </a:lvl1pPr>
           </a:lstStyle>
-          <a:p/>
+          <a:p>
+            <a:endParaRPr/>
+          </a:p>
         </p:txBody>
       </p:sp>
       <p:sp>
@@ -979,6 +1016,7 @@
           <a:p>
             <a:fld id="{1D8BD707-D9CF-40AE-B4C6-C98DA3205C09}" type="datetimeFigureOut">
               <a:rPr lang="en-US"/>
+              <a:t>12/11/2024</a:t>
             </a:fld>
             <a:endParaRPr lang="en-US"/>
           </a:p>
@@ -1011,6 +1049,7 @@
           <a:p>
             <a:fld id="{B6F15528-21DE-4FAA-801E-634DDDAF4B2B}" type="slidenum">
               <a:rPr/>
+              <a:t>‹#›</a:t>
             </a:fld>
             <a:endParaRPr/>
           </a:p>
@@ -1066,7 +1105,9 @@
               </a:defRPr>
             </a:lvl1pPr>
           </a:lstStyle>
-          <a:p/>
+          <a:p>
+            <a:endParaRPr/>
+          </a:p>
         </p:txBody>
       </p:sp>
       <p:sp>
@@ -1093,7 +1134,9 @@
               </a:defRPr>
             </a:lvl1pPr>
           </a:lstStyle>
-          <a:p/>
+          <a:p>
+            <a:endParaRPr/>
+          </a:p>
         </p:txBody>
       </p:sp>
       <p:sp>
@@ -1123,6 +1166,7 @@
           <a:p>
             <a:fld id="{1D8BD707-D9CF-40AE-B4C6-C98DA3205C09}" type="datetimeFigureOut">
               <a:rPr lang="en-US"/>
+              <a:t>12/11/2024</a:t>
             </a:fld>
             <a:endParaRPr lang="en-US"/>
           </a:p>
@@ -1155,6 +1199,7 @@
           <a:p>
             <a:fld id="{B6F15528-21DE-4FAA-801E-634DDDAF4B2B}" type="slidenum">
               <a:rPr/>
+              <a:t>‹#›</a:t>
             </a:fld>
             <a:endParaRPr/>
           </a:p>
@@ -1210,7 +1255,9 @@
               </a:defRPr>
             </a:lvl1pPr>
           </a:lstStyle>
-          <a:p/>
+          <a:p>
+            <a:endParaRPr/>
+          </a:p>
         </p:txBody>
       </p:sp>
       <p:sp>
@@ -1240,6 +1287,7 @@
           <a:p>
             <a:fld id="{1D8BD707-D9CF-40AE-B4C6-C98DA3205C09}" type="datetimeFigureOut">
               <a:rPr lang="en-US"/>
+              <a:t>12/11/2024</a:t>
             </a:fld>
             <a:endParaRPr lang="en-US"/>
           </a:p>
@@ -1272,6 +1320,7 @@
           <a:p>
             <a:fld id="{B6F15528-21DE-4FAA-801E-634DDDAF4B2B}" type="slidenum">
               <a:rPr/>
+              <a:t>‹#›</a:t>
             </a:fld>
             <a:endParaRPr/>
           </a:p>
@@ -1345,7 +1394,9 @@
               </a:defRPr>
             </a:lvl1pPr>
           </a:lstStyle>
-          <a:p/>
+          <a:p>
+            <a:endParaRPr/>
+          </a:p>
         </p:txBody>
       </p:sp>
       <p:sp>
@@ -1376,7 +1427,9 @@
               <a:defRPr/>
             </a:lvl1pPr>
           </a:lstStyle>
-          <a:p/>
+          <a:p>
+            <a:endParaRPr/>
+          </a:p>
         </p:txBody>
       </p:sp>
       <p:sp>
@@ -1413,7 +1466,9 @@
               </a:defRPr>
             </a:lvl1pPr>
           </a:lstStyle>
-          <a:p/>
+          <a:p>
+            <a:endParaRPr/>
+          </a:p>
         </p:txBody>
       </p:sp>
       <p:sp>
@@ -1453,6 +1508,7 @@
           <a:p>
             <a:fld id="{1D8BD707-D9CF-40AE-B4C6-C98DA3205C09}" type="datetimeFigureOut">
               <a:rPr lang="en-US"/>
+              <a:t>12/11/2024</a:t>
             </a:fld>
             <a:endParaRPr lang="en-US"/>
           </a:p>
@@ -1495,6 +1551,7 @@
           <a:p>
             <a:fld id="{B6F15528-21DE-4FAA-801E-634DDDAF4B2B}" type="slidenum">
               <a:rPr/>
+              <a:t>‹#›</a:t>
             </a:fld>
             <a:endParaRPr/>
           </a:p>
@@ -1679,7 +1736,7 @@
           <p:nvPr/>
         </p:nvPicPr>
         <p:blipFill>
-          <a:blip r:embed="rId1" cstate="print"/>
+          <a:blip r:embed="rId2" cstate="print"/>
           <a:stretch>
             <a:fillRect/>
           </a:stretch>
@@ -1715,7 +1772,7 @@
             <p:nvPr/>
           </p:nvPicPr>
           <p:blipFill>
-            <a:blip r:embed="rId2" cstate="print"/>
+            <a:blip r:embed="rId3" cstate="print"/>
             <a:stretch>
               <a:fillRect/>
             </a:stretch>
@@ -1737,7 +1794,7 @@
             <p:nvPr/>
           </p:nvPicPr>
           <p:blipFill>
-            <a:blip r:embed="rId3" cstate="print"/>
+            <a:blip r:embed="rId4" cstate="print"/>
             <a:stretch>
               <a:fillRect/>
             </a:stretch>
@@ -1759,7 +1816,7 @@
             <p:nvPr/>
           </p:nvPicPr>
           <p:blipFill>
-            <a:blip r:embed="rId4" cstate="print"/>
+            <a:blip r:embed="rId5" cstate="print"/>
             <a:stretch>
               <a:fillRect/>
             </a:stretch>
@@ -1781,7 +1838,7 @@
             <p:nvPr/>
           </p:nvPicPr>
           <p:blipFill>
-            <a:blip r:embed="rId5" cstate="print"/>
+            <a:blip r:embed="rId6" cstate="print"/>
             <a:stretch>
               <a:fillRect/>
             </a:stretch>
@@ -1810,9 +1867,11 @@
         <p:spPr/>
         <p:txBody>
           <a:bodyPr/>
+          <a:lstStyle/>
           <a:p>
             <a:fld id="{B6F15528-21DE-4FAA-801E-634DDDAF4B2B}" type="slidenum">
               <a:rPr/>
+              <a:t>1</a:t>
             </a:fld>
             <a:endParaRPr/>
           </a:p>
@@ -1850,7 +1909,7 @@
           <p:nvPr/>
         </p:nvPicPr>
         <p:blipFill>
-          <a:blip r:embed="rId1" cstate="print"/>
+          <a:blip r:embed="rId2" cstate="print"/>
           <a:stretch>
             <a:fillRect/>
           </a:stretch>
@@ -2083,7 +2142,9 @@
         <p:txBody>
           <a:bodyPr wrap="square" lIns="0" tIns="0" rIns="0" bIns="0" rtlCol="0"/>
           <a:lstStyle/>
-          <a:p/>
+          <a:p>
+            <a:endParaRPr/>
+          </a:p>
         </p:txBody>
       </p:sp>
       <p:grpSp>
@@ -2145,7 +2206,9 @@
           <p:txBody>
             <a:bodyPr wrap="square" lIns="0" tIns="0" rIns="0" bIns="0" rtlCol="0"/>
             <a:lstStyle/>
-            <a:p/>
+            <a:p>
+              <a:endParaRPr/>
+            </a:p>
           </p:txBody>
         </p:sp>
         <p:sp>
@@ -2195,7 +2258,9 @@
           <p:txBody>
             <a:bodyPr wrap="square" lIns="0" tIns="0" rIns="0" bIns="0" rtlCol="0"/>
             <a:lstStyle/>
-            <a:p/>
+            <a:p>
+              <a:endParaRPr/>
+            </a:p>
           </p:txBody>
         </p:sp>
         <p:pic>
@@ -2205,7 +2270,7 @@
             <p:nvPr/>
           </p:nvPicPr>
           <p:blipFill>
-            <a:blip r:embed="rId2" cstate="print"/>
+            <a:blip r:embed="rId3" cstate="print"/>
             <a:stretch>
               <a:fillRect/>
             </a:stretch>
@@ -2351,7 +2416,9 @@
         <p:txBody>
           <a:bodyPr wrap="square" lIns="0" tIns="0" rIns="0" bIns="0" rtlCol="0"/>
           <a:lstStyle/>
-          <a:p/>
+          <a:p>
+            <a:endParaRPr/>
+          </a:p>
         </p:txBody>
       </p:sp>
       <p:grpSp>
@@ -2413,7 +2480,9 @@
           <p:txBody>
             <a:bodyPr wrap="square" lIns="0" tIns="0" rIns="0" bIns="0" rtlCol="0"/>
             <a:lstStyle/>
-            <a:p/>
+            <a:p>
+              <a:endParaRPr/>
+            </a:p>
           </p:txBody>
         </p:sp>
         <p:sp>
@@ -2463,7 +2532,9 @@
           <p:txBody>
             <a:bodyPr wrap="square" lIns="0" tIns="0" rIns="0" bIns="0" rtlCol="0"/>
             <a:lstStyle/>
-            <a:p/>
+            <a:p>
+              <a:endParaRPr/>
+            </a:p>
           </p:txBody>
         </p:sp>
         <p:pic>
@@ -2473,7 +2544,7 @@
             <p:nvPr/>
           </p:nvPicPr>
           <p:blipFill>
-            <a:blip r:embed="rId3" cstate="print"/>
+            <a:blip r:embed="rId4" cstate="print"/>
             <a:stretch>
               <a:fillRect/>
             </a:stretch>
@@ -2502,9 +2573,11 @@
         <p:spPr/>
         <p:txBody>
           <a:bodyPr/>
+          <a:lstStyle/>
           <a:p>
             <a:fld id="{B6F15528-21DE-4FAA-801E-634DDDAF4B2B}" type="slidenum">
               <a:rPr/>
+              <a:t>10</a:t>
             </a:fld>
             <a:endParaRPr/>
           </a:p>
@@ -2542,7 +2615,7 @@
           <p:nvPr/>
         </p:nvPicPr>
         <p:blipFill>
-          <a:blip r:embed="rId1" cstate="print"/>
+          <a:blip r:embed="rId2" cstate="print"/>
           <a:stretch>
             <a:fillRect/>
           </a:stretch>
@@ -2564,7 +2637,7 @@
           <p:nvPr/>
         </p:nvPicPr>
         <p:blipFill>
-          <a:blip r:embed="rId2" cstate="print"/>
+          <a:blip r:embed="rId3" cstate="print"/>
           <a:stretch>
             <a:fillRect/>
           </a:stretch>
@@ -2592,9 +2665,11 @@
         <p:spPr/>
         <p:txBody>
           <a:bodyPr/>
+          <a:lstStyle/>
           <a:p>
             <a:fld id="{B6F15528-21DE-4FAA-801E-634DDDAF4B2B}" type="slidenum">
               <a:rPr/>
+              <a:t>11</a:t>
             </a:fld>
             <a:endParaRPr/>
           </a:p>
@@ -2632,7 +2707,7 @@
           <p:nvPr/>
         </p:nvPicPr>
         <p:blipFill>
-          <a:blip r:embed="rId1" cstate="print"/>
+          <a:blip r:embed="rId2" cstate="print"/>
           <a:stretch>
             <a:fillRect/>
           </a:stretch>
@@ -2850,7 +2925,9 @@
         <p:txBody>
           <a:bodyPr wrap="square" lIns="0" tIns="0" rIns="0" bIns="0" rtlCol="0"/>
           <a:lstStyle/>
-          <a:p/>
+          <a:p>
+            <a:endParaRPr/>
+          </a:p>
         </p:txBody>
       </p:sp>
       <p:grpSp>
@@ -2912,7 +2989,9 @@
           <p:txBody>
             <a:bodyPr wrap="square" lIns="0" tIns="0" rIns="0" bIns="0" rtlCol="0"/>
             <a:lstStyle/>
-            <a:p/>
+            <a:p>
+              <a:endParaRPr/>
+            </a:p>
           </p:txBody>
         </p:sp>
         <p:sp>
@@ -2962,7 +3041,9 @@
           <p:txBody>
             <a:bodyPr wrap="square" lIns="0" tIns="0" rIns="0" bIns="0" rtlCol="0"/>
             <a:lstStyle/>
-            <a:p/>
+            <a:p>
+              <a:endParaRPr/>
+            </a:p>
           </p:txBody>
         </p:sp>
         <p:pic>
@@ -2972,7 +3053,7 @@
             <p:nvPr/>
           </p:nvPicPr>
           <p:blipFill>
-            <a:blip r:embed="rId2" cstate="print"/>
+            <a:blip r:embed="rId3" cstate="print"/>
             <a:stretch>
               <a:fillRect/>
             </a:stretch>
@@ -3072,7 +3153,9 @@
         <p:txBody>
           <a:bodyPr wrap="square" lIns="0" tIns="0" rIns="0" bIns="0" rtlCol="0"/>
           <a:lstStyle/>
-          <a:p/>
+          <a:p>
+            <a:endParaRPr/>
+          </a:p>
         </p:txBody>
       </p:sp>
       <p:grpSp>
@@ -3134,7 +3217,9 @@
           <p:txBody>
             <a:bodyPr wrap="square" lIns="0" tIns="0" rIns="0" bIns="0" rtlCol="0"/>
             <a:lstStyle/>
-            <a:p/>
+            <a:p>
+              <a:endParaRPr/>
+            </a:p>
           </p:txBody>
         </p:sp>
         <p:sp>
@@ -3184,7 +3269,9 @@
           <p:txBody>
             <a:bodyPr wrap="square" lIns="0" tIns="0" rIns="0" bIns="0" rtlCol="0"/>
             <a:lstStyle/>
-            <a:p/>
+            <a:p>
+              <a:endParaRPr/>
+            </a:p>
           </p:txBody>
         </p:sp>
         <p:pic>
@@ -3194,7 +3281,7 @@
             <p:nvPr/>
           </p:nvPicPr>
           <p:blipFill>
-            <a:blip r:embed="rId3" cstate="print"/>
+            <a:blip r:embed="rId4" cstate="print"/>
             <a:stretch>
               <a:fillRect/>
             </a:stretch>
@@ -3223,9 +3310,11 @@
         <p:spPr/>
         <p:txBody>
           <a:bodyPr/>
+          <a:lstStyle/>
           <a:p>
             <a:fld id="{B6F15528-21DE-4FAA-801E-634DDDAF4B2B}" type="slidenum">
               <a:rPr/>
+              <a:t>12</a:t>
             </a:fld>
             <a:endParaRPr/>
           </a:p>
@@ -3263,7 +3352,7 @@
           <p:nvPr/>
         </p:nvPicPr>
         <p:blipFill>
-          <a:blip r:embed="rId1" cstate="print"/>
+          <a:blip r:embed="rId2" cstate="print"/>
           <a:stretch>
             <a:fillRect/>
           </a:stretch>
@@ -3285,7 +3374,7 @@
           <p:nvPr/>
         </p:nvPicPr>
         <p:blipFill>
-          <a:blip r:embed="rId2" cstate="print"/>
+          <a:blip r:embed="rId3" cstate="print"/>
           <a:stretch>
             <a:fillRect/>
           </a:stretch>
@@ -3313,9 +3402,11 @@
         <p:spPr/>
         <p:txBody>
           <a:bodyPr/>
+          <a:lstStyle/>
           <a:p>
             <a:fld id="{B6F15528-21DE-4FAA-801E-634DDDAF4B2B}" type="slidenum">
               <a:rPr/>
+              <a:t>13</a:t>
             </a:fld>
             <a:endParaRPr/>
           </a:p>
@@ -3353,7 +3444,7 @@
           <p:nvPr/>
         </p:nvPicPr>
         <p:blipFill>
-          <a:blip r:embed="rId1" cstate="print"/>
+          <a:blip r:embed="rId2" cstate="print"/>
           <a:stretch>
             <a:fillRect/>
           </a:stretch>
@@ -3471,7 +3562,6 @@
               <a:rPr spc="-5" dirty="0"/>
               <a:t>sh</a:t>
             </a:r>
-            <a:endParaRPr spc="-5" dirty="0"/>
           </a:p>
         </p:txBody>
       </p:sp>
@@ -3577,7 +3667,9 @@
         <p:txBody>
           <a:bodyPr wrap="square" lIns="0" tIns="0" rIns="0" bIns="0" rtlCol="0"/>
           <a:lstStyle/>
-          <a:p/>
+          <a:p>
+            <a:endParaRPr/>
+          </a:p>
         </p:txBody>
       </p:sp>
       <p:grpSp>
@@ -3639,7 +3731,9 @@
           <p:txBody>
             <a:bodyPr wrap="square" lIns="0" tIns="0" rIns="0" bIns="0" rtlCol="0"/>
             <a:lstStyle/>
-            <a:p/>
+            <a:p>
+              <a:endParaRPr/>
+            </a:p>
           </p:txBody>
         </p:sp>
         <p:sp>
@@ -3689,7 +3783,9 @@
           <p:txBody>
             <a:bodyPr wrap="square" lIns="0" tIns="0" rIns="0" bIns="0" rtlCol="0"/>
             <a:lstStyle/>
-            <a:p/>
+            <a:p>
+              <a:endParaRPr/>
+            </a:p>
           </p:txBody>
         </p:sp>
         <p:pic>
@@ -3699,7 +3795,7 @@
             <p:nvPr/>
           </p:nvPicPr>
           <p:blipFill>
-            <a:blip r:embed="rId2" cstate="print"/>
+            <a:blip r:embed="rId3" cstate="print"/>
             <a:stretch>
               <a:fillRect/>
             </a:stretch>
@@ -3721,7 +3817,7 @@
             <p:nvPr/>
           </p:nvPicPr>
           <p:blipFill>
-            <a:blip r:embed="rId3" cstate="print"/>
+            <a:blip r:embed="rId4" cstate="print"/>
             <a:stretch>
               <a:fillRect/>
             </a:stretch>
@@ -3839,7 +3935,9 @@
         <p:txBody>
           <a:bodyPr wrap="square" lIns="0" tIns="0" rIns="0" bIns="0" rtlCol="0"/>
           <a:lstStyle/>
-          <a:p/>
+          <a:p>
+            <a:endParaRPr/>
+          </a:p>
         </p:txBody>
       </p:sp>
       <p:grpSp>
@@ -3901,7 +3999,9 @@
           <p:txBody>
             <a:bodyPr wrap="square" lIns="0" tIns="0" rIns="0" bIns="0" rtlCol="0"/>
             <a:lstStyle/>
-            <a:p/>
+            <a:p>
+              <a:endParaRPr/>
+            </a:p>
           </p:txBody>
         </p:sp>
         <p:sp>
@@ -3951,7 +4051,9 @@
           <p:txBody>
             <a:bodyPr wrap="square" lIns="0" tIns="0" rIns="0" bIns="0" rtlCol="0"/>
             <a:lstStyle/>
-            <a:p/>
+            <a:p>
+              <a:endParaRPr/>
+            </a:p>
           </p:txBody>
         </p:sp>
         <p:pic>
@@ -3961,7 +4063,7 @@
             <p:nvPr/>
           </p:nvPicPr>
           <p:blipFill>
-            <a:blip r:embed="rId4" cstate="print"/>
+            <a:blip r:embed="rId5" cstate="print"/>
             <a:stretch>
               <a:fillRect/>
             </a:stretch>
@@ -4036,7 +4138,9 @@
           <p:txBody>
             <a:bodyPr wrap="square" lIns="0" tIns="0" rIns="0" bIns="0" rtlCol="0"/>
             <a:lstStyle/>
-            <a:p/>
+            <a:p>
+              <a:endParaRPr/>
+            </a:p>
           </p:txBody>
         </p:sp>
         <p:sp>
@@ -4086,7 +4190,9 @@
           <p:txBody>
             <a:bodyPr wrap="square" lIns="0" tIns="0" rIns="0" bIns="0" rtlCol="0"/>
             <a:lstStyle/>
-            <a:p/>
+            <a:p>
+              <a:endParaRPr/>
+            </a:p>
           </p:txBody>
         </p:sp>
         <p:pic>
@@ -4096,7 +4202,7 @@
             <p:nvPr/>
           </p:nvPicPr>
           <p:blipFill>
-            <a:blip r:embed="rId5" cstate="print"/>
+            <a:blip r:embed="rId6" cstate="print"/>
             <a:stretch>
               <a:fillRect/>
             </a:stretch>
@@ -4118,7 +4224,7 @@
             <p:nvPr/>
           </p:nvPicPr>
           <p:blipFill>
-            <a:blip r:embed="rId6" cstate="print"/>
+            <a:blip r:embed="rId7" cstate="print"/>
             <a:stretch>
               <a:fillRect/>
             </a:stretch>
@@ -4140,7 +4246,7 @@
             <p:nvPr/>
           </p:nvPicPr>
           <p:blipFill>
-            <a:blip r:embed="rId7" cstate="print"/>
+            <a:blip r:embed="rId8" cstate="print"/>
             <a:stretch>
               <a:fillRect/>
             </a:stretch>
@@ -4162,7 +4268,7 @@
             <p:nvPr/>
           </p:nvPicPr>
           <p:blipFill>
-            <a:blip r:embed="rId8" cstate="print"/>
+            <a:blip r:embed="rId9" cstate="print"/>
             <a:stretch>
               <a:fillRect/>
             </a:stretch>
@@ -4184,7 +4290,7 @@
             <p:nvPr/>
           </p:nvPicPr>
           <p:blipFill>
-            <a:blip r:embed="rId9" cstate="print"/>
+            <a:blip r:embed="rId10" cstate="print"/>
             <a:stretch>
               <a:fillRect/>
             </a:stretch>
@@ -4206,7 +4312,7 @@
             <p:nvPr/>
           </p:nvPicPr>
           <p:blipFill>
-            <a:blip r:embed="rId10" cstate="print"/>
+            <a:blip r:embed="rId11" cstate="print"/>
             <a:stretch>
               <a:fillRect/>
             </a:stretch>
@@ -4228,7 +4334,7 @@
             <p:nvPr/>
           </p:nvPicPr>
           <p:blipFill>
-            <a:blip r:embed="rId11" cstate="print"/>
+            <a:blip r:embed="rId12" cstate="print"/>
             <a:stretch>
               <a:fillRect/>
             </a:stretch>
@@ -4250,7 +4356,7 @@
             <p:nvPr/>
           </p:nvPicPr>
           <p:blipFill>
-            <a:blip r:embed="rId12" cstate="print"/>
+            <a:blip r:embed="rId13" cstate="print"/>
             <a:stretch>
               <a:fillRect/>
             </a:stretch>
@@ -4272,7 +4378,7 @@
             <p:nvPr/>
           </p:nvPicPr>
           <p:blipFill>
-            <a:blip r:embed="rId13" cstate="print"/>
+            <a:blip r:embed="rId14" cstate="print"/>
             <a:stretch>
               <a:fillRect/>
             </a:stretch>
@@ -4347,7 +4453,9 @@
           <p:txBody>
             <a:bodyPr wrap="square" lIns="0" tIns="0" rIns="0" bIns="0" rtlCol="0"/>
             <a:lstStyle/>
-            <a:p/>
+            <a:p>
+              <a:endParaRPr/>
+            </a:p>
           </p:txBody>
         </p:sp>
         <p:sp>
@@ -4397,7 +4505,9 @@
           <p:txBody>
             <a:bodyPr wrap="square" lIns="0" tIns="0" rIns="0" bIns="0" rtlCol="0"/>
             <a:lstStyle/>
-            <a:p/>
+            <a:p>
+              <a:endParaRPr/>
+            </a:p>
           </p:txBody>
         </p:sp>
         <p:pic>
@@ -4407,7 +4517,7 @@
             <p:nvPr/>
           </p:nvPicPr>
           <p:blipFill>
-            <a:blip r:embed="rId14" cstate="print"/>
+            <a:blip r:embed="rId15" cstate="print"/>
             <a:stretch>
               <a:fillRect/>
             </a:stretch>
@@ -4429,7 +4539,7 @@
             <p:nvPr/>
           </p:nvPicPr>
           <p:blipFill>
-            <a:blip r:embed="rId15" cstate="print"/>
+            <a:blip r:embed="rId16" cstate="print"/>
             <a:stretch>
               <a:fillRect/>
             </a:stretch>
@@ -4549,7 +4659,9 @@
           <p:txBody>
             <a:bodyPr wrap="square" lIns="0" tIns="0" rIns="0" bIns="0" rtlCol="0"/>
             <a:lstStyle/>
-            <a:p/>
+            <a:p>
+              <a:endParaRPr/>
+            </a:p>
           </p:txBody>
         </p:sp>
       </p:grpSp>
@@ -4566,9 +4678,11 @@
         <p:spPr/>
         <p:txBody>
           <a:bodyPr/>
+          <a:lstStyle/>
           <a:p>
             <a:fld id="{B6F15528-21DE-4FAA-801E-634DDDAF4B2B}" type="slidenum">
               <a:rPr/>
+              <a:t>14</a:t>
             </a:fld>
             <a:endParaRPr/>
           </a:p>
@@ -4606,7 +4720,7 @@
           <p:nvPr/>
         </p:nvPicPr>
         <p:blipFill>
-          <a:blip r:embed="rId1" cstate="print"/>
+          <a:blip r:embed="rId2" cstate="print"/>
           <a:stretch>
             <a:fillRect/>
           </a:stretch>
@@ -4642,7 +4756,7 @@
             <p:nvPr/>
           </p:nvPicPr>
           <p:blipFill>
-            <a:blip r:embed="rId2" cstate="print"/>
+            <a:blip r:embed="rId3" cstate="print"/>
             <a:stretch>
               <a:fillRect/>
             </a:stretch>
@@ -4664,7 +4778,7 @@
             <p:nvPr/>
           </p:nvPicPr>
           <p:blipFill>
-            <a:blip r:embed="rId3" cstate="print"/>
+            <a:blip r:embed="rId4" cstate="print"/>
             <a:stretch>
               <a:fillRect/>
             </a:stretch>
@@ -4693,9 +4807,11 @@
         <p:spPr/>
         <p:txBody>
           <a:bodyPr/>
+          <a:lstStyle/>
           <a:p>
             <a:fld id="{B6F15528-21DE-4FAA-801E-634DDDAF4B2B}" type="slidenum">
               <a:rPr/>
+              <a:t>15</a:t>
             </a:fld>
             <a:endParaRPr/>
           </a:p>
@@ -4763,7 +4879,9 @@
         <p:txBody>
           <a:bodyPr wrap="square" lIns="0" tIns="0" rIns="0" bIns="0" rtlCol="0"/>
           <a:lstStyle/>
-          <a:p/>
+          <a:p>
+            <a:endParaRPr/>
+          </a:p>
         </p:txBody>
       </p:sp>
       <p:grpSp>
@@ -4787,7 +4905,7 @@
             <p:nvPr/>
           </p:nvPicPr>
           <p:blipFill>
-            <a:blip r:embed="rId1" cstate="print"/>
+            <a:blip r:embed="rId2" cstate="print"/>
             <a:stretch>
               <a:fillRect/>
             </a:stretch>
@@ -4809,7 +4927,7 @@
             <p:nvPr/>
           </p:nvPicPr>
           <p:blipFill>
-            <a:blip r:embed="rId2" cstate="print"/>
+            <a:blip r:embed="rId3" cstate="print"/>
             <a:stretch>
               <a:fillRect/>
             </a:stretch>
@@ -4832,7 +4950,7 @@
           <p:nvPr/>
         </p:nvPicPr>
         <p:blipFill>
-          <a:blip r:embed="rId3" cstate="print"/>
+          <a:blip r:embed="rId4" cstate="print"/>
           <a:stretch>
             <a:fillRect/>
           </a:stretch>
@@ -4854,7 +4972,7 @@
           <p:nvPr/>
         </p:nvPicPr>
         <p:blipFill>
-          <a:blip r:embed="rId4" cstate="print"/>
+          <a:blip r:embed="rId5" cstate="print"/>
           <a:stretch>
             <a:fillRect/>
           </a:stretch>
@@ -4876,7 +4994,7 @@
           <p:nvPr/>
         </p:nvPicPr>
         <p:blipFill>
-          <a:blip r:embed="rId5" cstate="print"/>
+          <a:blip r:embed="rId6" cstate="print"/>
           <a:stretch>
             <a:fillRect/>
           </a:stretch>
@@ -4898,7 +5016,7 @@
           <p:nvPr/>
         </p:nvPicPr>
         <p:blipFill>
-          <a:blip r:embed="rId6" cstate="print"/>
+          <a:blip r:embed="rId7" cstate="print"/>
           <a:stretch>
             <a:fillRect/>
           </a:stretch>
@@ -4934,7 +5052,7 @@
             <p:nvPr/>
           </p:nvPicPr>
           <p:blipFill>
-            <a:blip r:embed="rId7" cstate="print"/>
+            <a:blip r:embed="rId8" cstate="print"/>
             <a:stretch>
               <a:fillRect/>
             </a:stretch>
@@ -4956,7 +5074,7 @@
             <p:nvPr/>
           </p:nvPicPr>
           <p:blipFill>
-            <a:blip r:embed="rId8" cstate="print"/>
+            <a:blip r:embed="rId9" cstate="print"/>
             <a:stretch>
               <a:fillRect/>
             </a:stretch>
@@ -4979,7 +5097,7 @@
           <p:nvPr/>
         </p:nvPicPr>
         <p:blipFill>
-          <a:blip r:embed="rId9" cstate="print"/>
+          <a:blip r:embed="rId10" cstate="print"/>
           <a:stretch>
             <a:fillRect/>
           </a:stretch>
@@ -5007,9 +5125,11 @@
         <p:spPr/>
         <p:txBody>
           <a:bodyPr/>
+          <a:lstStyle/>
           <a:p>
             <a:fld id="{B6F15528-21DE-4FAA-801E-634DDDAF4B2B}" type="slidenum">
               <a:rPr/>
+              <a:t>16</a:t>
             </a:fld>
             <a:endParaRPr/>
           </a:p>
@@ -5099,7 +5219,9 @@
           <p:txBody>
             <a:bodyPr wrap="square" lIns="0" tIns="0" rIns="0" bIns="0" rtlCol="0"/>
             <a:lstStyle/>
-            <a:p/>
+            <a:p>
+              <a:endParaRPr/>
+            </a:p>
           </p:txBody>
         </p:sp>
         <p:sp>
@@ -5149,7 +5271,9 @@
           <p:txBody>
             <a:bodyPr wrap="square" lIns="0" tIns="0" rIns="0" bIns="0" rtlCol="0"/>
             <a:lstStyle/>
-            <a:p/>
+            <a:p>
+              <a:endParaRPr/>
+            </a:p>
           </p:txBody>
         </p:sp>
         <p:pic>
@@ -5159,7 +5283,7 @@
             <p:nvPr/>
           </p:nvPicPr>
           <p:blipFill>
-            <a:blip r:embed="rId1" cstate="print"/>
+            <a:blip r:embed="rId2" cstate="print"/>
             <a:stretch>
               <a:fillRect/>
             </a:stretch>
@@ -5181,7 +5305,7 @@
             <p:nvPr/>
           </p:nvPicPr>
           <p:blipFill>
-            <a:blip r:embed="rId2" cstate="print"/>
+            <a:blip r:embed="rId3" cstate="print"/>
             <a:stretch>
               <a:fillRect/>
             </a:stretch>
@@ -5256,7 +5380,9 @@
           <p:txBody>
             <a:bodyPr wrap="square" lIns="0" tIns="0" rIns="0" bIns="0" rtlCol="0"/>
             <a:lstStyle/>
-            <a:p/>
+            <a:p>
+              <a:endParaRPr/>
+            </a:p>
           </p:txBody>
         </p:sp>
         <p:sp>
@@ -5306,7 +5432,9 @@
           <p:txBody>
             <a:bodyPr wrap="square" lIns="0" tIns="0" rIns="0" bIns="0" rtlCol="0"/>
             <a:lstStyle/>
-            <a:p/>
+            <a:p>
+              <a:endParaRPr/>
+            </a:p>
           </p:txBody>
         </p:sp>
         <p:pic>
@@ -5316,7 +5444,7 @@
             <p:nvPr/>
           </p:nvPicPr>
           <p:blipFill>
-            <a:blip r:embed="rId3" cstate="print"/>
+            <a:blip r:embed="rId4" cstate="print"/>
             <a:stretch>
               <a:fillRect/>
             </a:stretch>
@@ -5338,7 +5466,7 @@
             <p:nvPr/>
           </p:nvPicPr>
           <p:blipFill>
-            <a:blip r:embed="rId2" cstate="print"/>
+            <a:blip r:embed="rId3" cstate="print"/>
             <a:stretch>
               <a:fillRect/>
             </a:stretch>
@@ -5413,7 +5541,9 @@
           <p:txBody>
             <a:bodyPr wrap="square" lIns="0" tIns="0" rIns="0" bIns="0" rtlCol="0"/>
             <a:lstStyle/>
-            <a:p/>
+            <a:p>
+              <a:endParaRPr/>
+            </a:p>
           </p:txBody>
         </p:sp>
         <p:sp>
@@ -5463,7 +5593,9 @@
           <p:txBody>
             <a:bodyPr wrap="square" lIns="0" tIns="0" rIns="0" bIns="0" rtlCol="0"/>
             <a:lstStyle/>
-            <a:p/>
+            <a:p>
+              <a:endParaRPr/>
+            </a:p>
           </p:txBody>
         </p:sp>
         <p:pic>
@@ -5473,7 +5605,7 @@
             <p:nvPr/>
           </p:nvPicPr>
           <p:blipFill>
-            <a:blip r:embed="rId4" cstate="print"/>
+            <a:blip r:embed="rId5" cstate="print"/>
             <a:stretch>
               <a:fillRect/>
             </a:stretch>
@@ -5495,7 +5627,7 @@
             <p:nvPr/>
           </p:nvPicPr>
           <p:blipFill>
-            <a:blip r:embed="rId2" cstate="print"/>
+            <a:blip r:embed="rId3" cstate="print"/>
             <a:stretch>
               <a:fillRect/>
             </a:stretch>
@@ -5518,7 +5650,7 @@
           <p:nvPr/>
         </p:nvPicPr>
         <p:blipFill>
-          <a:blip r:embed="rId5" cstate="print"/>
+          <a:blip r:embed="rId6" cstate="print"/>
           <a:stretch>
             <a:fillRect/>
           </a:stretch>
@@ -5623,7 +5755,9 @@
         <p:txBody>
           <a:bodyPr wrap="square" lIns="0" tIns="0" rIns="0" bIns="0" rtlCol="0"/>
           <a:lstStyle/>
-          <a:p/>
+          <a:p>
+            <a:endParaRPr/>
+          </a:p>
         </p:txBody>
       </p:sp>
       <p:sp>
@@ -5716,7 +5850,9 @@
         <p:txBody>
           <a:bodyPr wrap="square" lIns="0" tIns="0" rIns="0" bIns="0" rtlCol="0"/>
           <a:lstStyle/>
-          <a:p/>
+          <a:p>
+            <a:endParaRPr/>
+          </a:p>
         </p:txBody>
       </p:sp>
       <p:pic>
@@ -5726,7 +5862,7 @@
           <p:nvPr/>
         </p:nvPicPr>
         <p:blipFill>
-          <a:blip r:embed="rId6" cstate="print"/>
+          <a:blip r:embed="rId7" cstate="print"/>
           <a:stretch>
             <a:fillRect/>
           </a:stretch>
@@ -5748,7 +5884,7 @@
           <p:nvPr/>
         </p:nvPicPr>
         <p:blipFill>
-          <a:blip r:embed="rId7" cstate="print"/>
+          <a:blip r:embed="rId8" cstate="print"/>
           <a:stretch>
             <a:fillRect/>
           </a:stretch>
@@ -5770,7 +5906,7 @@
           <p:nvPr/>
         </p:nvPicPr>
         <p:blipFill>
-          <a:blip r:embed="rId8" cstate="print"/>
+          <a:blip r:embed="rId9" cstate="print"/>
           <a:stretch>
             <a:fillRect/>
           </a:stretch>
@@ -5798,9 +5934,11 @@
         <p:spPr/>
         <p:txBody>
           <a:bodyPr/>
+          <a:lstStyle/>
           <a:p>
             <a:fld id="{B6F15528-21DE-4FAA-801E-634DDDAF4B2B}" type="slidenum">
               <a:rPr/>
+              <a:t>17</a:t>
             </a:fld>
             <a:endParaRPr/>
           </a:p>
@@ -5844,6 +5982,7 @@
         <p:spPr/>
         <p:txBody>
           <a:bodyPr/>
+          <a:lstStyle/>
           <a:p>
             <a:endParaRPr lang="en-US"/>
           </a:p>
@@ -5856,7 +5995,7 @@
           <p:nvPr/>
         </p:nvPicPr>
         <p:blipFill>
-          <a:blip r:embed="rId1" cstate="print"/>
+          <a:blip r:embed="rId2" cstate="print"/>
           <a:stretch>
             <a:fillRect/>
           </a:stretch>
@@ -5884,6 +6023,7 @@
         <p:spPr/>
         <p:txBody>
           <a:bodyPr/>
+          <a:lstStyle/>
           <a:p>
             <a:endParaRPr lang="en-US"/>
           </a:p>
@@ -5902,9 +6042,11 @@
         <p:spPr/>
         <p:txBody>
           <a:bodyPr/>
+          <a:lstStyle/>
           <a:p>
             <a:fld id="{B6F15528-21DE-4FAA-801E-634DDDAF4B2B}" type="slidenum">
               <a:rPr/>
+              <a:t>18</a:t>
             </a:fld>
             <a:endParaRPr/>
           </a:p>
@@ -5913,7 +6055,9 @@
       <p:graphicFrame>
         <p:nvGraphicFramePr>
           <p:cNvPr id="12" name="Content Placeholder 11"/>
-          <p:cNvGraphicFramePr/>
+          <p:cNvGraphicFramePr>
+            <a:graphicFrameLocks noGrp="1"/>
+          </p:cNvGraphicFramePr>
           <p:nvPr>
             <p:ph sz="half" idx="2"/>
           </p:nvPr>
@@ -5926,12 +6070,12 @@
           <a:graphicData uri="http://schemas.openxmlformats.org/presentationml/2006/ole">
             <mc:AlternateContent xmlns:mc="http://schemas.openxmlformats.org/markup-compatibility/2006">
               <mc:Choice xmlns:v="urn:schemas-microsoft-com:vml" Requires="v">
-                <p:oleObj spid="_x0000_s13" name="" r:id="rId2" imgW="3971925" imgH="4352925" progId="Paint.Picture">
+                <p:oleObj r:id="rId3" imgW="3971925" imgH="4352925" progId="Paint.Picture">
                   <p:embed/>
                 </p:oleObj>
               </mc:Choice>
               <mc:Fallback>
-                <p:oleObj name="" r:id="rId2" imgW="3971925" imgH="4352925" progId="Paint.Picture">
+                <p:oleObj r:id="rId3" imgW="3971925" imgH="4352925" progId="Paint.Picture">
                   <p:embed/>
                   <p:pic>
                     <p:nvPicPr>
@@ -5940,7 +6084,7 @@
                       <p:nvPr/>
                     </p:nvPicPr>
                     <p:blipFill>
-                      <a:blip r:embed="rId3"/>
+                      <a:blip r:embed="rId4"/>
                       <a:stretch>
                         <a:fillRect/>
                       </a:stretch>
@@ -6023,7 +6167,9 @@
         <p:txBody>
           <a:bodyPr wrap="square" lIns="0" tIns="0" rIns="0" bIns="0" rtlCol="0"/>
           <a:lstStyle/>
-          <a:p/>
+          <a:p>
+            <a:endParaRPr/>
+          </a:p>
         </p:txBody>
       </p:sp>
       <p:sp>
@@ -6063,7 +6209,9 @@
         <p:txBody>
           <a:bodyPr wrap="square" lIns="0" tIns="0" rIns="0" bIns="0" rtlCol="0"/>
           <a:lstStyle/>
-          <a:p/>
+          <a:p>
+            <a:endParaRPr/>
+          </a:p>
         </p:txBody>
       </p:sp>
       <p:sp>
@@ -6103,7 +6251,9 @@
         <p:txBody>
           <a:bodyPr wrap="square" lIns="0" tIns="0" rIns="0" bIns="0" rtlCol="0"/>
           <a:lstStyle/>
-          <a:p/>
+          <a:p>
+            <a:endParaRPr/>
+          </a:p>
         </p:txBody>
       </p:sp>
       <p:pic>
@@ -6113,7 +6263,7 @@
           <p:nvPr/>
         </p:nvPicPr>
         <p:blipFill>
-          <a:blip r:embed="rId1" cstate="print"/>
+          <a:blip r:embed="rId2" cstate="print"/>
           <a:stretch>
             <a:fillRect/>
           </a:stretch>
@@ -6158,6 +6308,36 @@
               </a:spcBef>
             </a:pPr>
             <a:r>
+              <a:rPr lang="en-IN" sz="3200" b="1" spc="-5" dirty="0">
+                <a:solidFill>
+                  <a:srgbClr val="404040"/>
+                </a:solidFill>
+                <a:latin typeface="Courier New" panose="02070309020205020404"/>
+                <a:cs typeface="Courier New" panose="02070309020205020404"/>
+              </a:rPr>
+              <a:t>D</a:t>
+            </a:r>
+            <a:r>
+              <a:rPr sz="3200" b="1" spc="-5" dirty="0" err="1">
+                <a:solidFill>
+                  <a:srgbClr val="404040"/>
+                </a:solidFill>
+                <a:latin typeface="Courier New" panose="02070309020205020404"/>
+                <a:cs typeface="Courier New" panose="02070309020205020404"/>
+              </a:rPr>
+              <a:t>ocker</a:t>
+            </a:r>
+            <a:r>
+              <a:rPr lang="en-US" sz="3200" b="1" spc="-5" dirty="0">
+                <a:solidFill>
+                  <a:srgbClr val="404040"/>
+                </a:solidFill>
+                <a:latin typeface="Courier New" panose="02070309020205020404"/>
+                <a:cs typeface="Courier New" panose="02070309020205020404"/>
+              </a:rPr>
+              <a:t> </a:t>
+            </a:r>
+            <a:r>
               <a:rPr sz="3200" b="1" spc="-5" dirty="0">
                 <a:solidFill>
                   <a:srgbClr val="404040"/>
@@ -6165,7 +6345,7 @@
                 <a:latin typeface="Courier New" panose="02070309020205020404"/>
                 <a:cs typeface="Courier New" panose="02070309020205020404"/>
               </a:rPr>
-              <a:t>docker-compose</a:t>
+              <a:t>compose</a:t>
             </a:r>
             <a:r>
               <a:rPr sz="3200" b="1" spc="5" dirty="0">
@@ -6187,7 +6367,7 @@
               </a:rPr>
               <a:t>build</a:t>
             </a:r>
-            <a:endParaRPr sz="3200">
+            <a:endParaRPr sz="3200" dirty="0">
               <a:latin typeface="Courier New" panose="02070309020205020404"/>
               <a:cs typeface="Courier New" panose="02070309020205020404"/>
             </a:endParaRPr>
@@ -6224,6 +6404,36 @@
               </a:spcBef>
             </a:pPr>
             <a:r>
+              <a:rPr lang="en-IN" sz="3200" b="1" spc="-5" dirty="0">
+                <a:solidFill>
+                  <a:srgbClr val="404040"/>
+                </a:solidFill>
+                <a:latin typeface="Courier New" panose="02070309020205020404"/>
+                <a:cs typeface="Courier New" panose="02070309020205020404"/>
+              </a:rPr>
+              <a:t>D</a:t>
+            </a:r>
+            <a:r>
+              <a:rPr sz="3200" b="1" spc="-5" dirty="0" err="1">
+                <a:solidFill>
+                  <a:srgbClr val="404040"/>
+                </a:solidFill>
+                <a:latin typeface="Courier New" panose="02070309020205020404"/>
+                <a:cs typeface="Courier New" panose="02070309020205020404"/>
+              </a:rPr>
+              <a:t>ocker</a:t>
+            </a:r>
+            <a:r>
+              <a:rPr lang="en-US" sz="3200" b="1" spc="-5" dirty="0">
+                <a:solidFill>
+                  <a:srgbClr val="404040"/>
+                </a:solidFill>
+                <a:latin typeface="Courier New" panose="02070309020205020404"/>
+                <a:cs typeface="Courier New" panose="02070309020205020404"/>
+              </a:rPr>
+              <a:t> </a:t>
+            </a:r>
+            <a:r>
               <a:rPr sz="3200" b="1" spc="-5" dirty="0">
                 <a:solidFill>
                   <a:srgbClr val="404040"/>
@@ -6231,7 +6441,7 @@
                 <a:latin typeface="Courier New" panose="02070309020205020404"/>
                 <a:cs typeface="Courier New" panose="02070309020205020404"/>
               </a:rPr>
-              <a:t>docker-compose </a:t>
+              <a:t>compose </a:t>
             </a:r>
             <a:r>
               <a:rPr sz="3200" b="1" spc="-5" dirty="0">
@@ -6243,7 +6453,7 @@
               </a:rPr>
               <a:t>up</a:t>
             </a:r>
-            <a:endParaRPr sz="3200">
+            <a:endParaRPr sz="3200" dirty="0">
               <a:latin typeface="Courier New" panose="02070309020205020404"/>
               <a:cs typeface="Courier New" panose="02070309020205020404"/>
             </a:endParaRPr>
@@ -6280,6 +6490,36 @@
               </a:spcBef>
             </a:pPr>
             <a:r>
+              <a:rPr lang="en-IN" sz="3200" b="1" spc="-5" dirty="0">
+                <a:solidFill>
+                  <a:srgbClr val="404040"/>
+                </a:solidFill>
+                <a:latin typeface="Courier New" panose="02070309020205020404"/>
+                <a:cs typeface="Courier New" panose="02070309020205020404"/>
+              </a:rPr>
+              <a:t>D</a:t>
+            </a:r>
+            <a:r>
+              <a:rPr sz="3200" b="1" spc="-5" dirty="0" err="1">
+                <a:solidFill>
+                  <a:srgbClr val="404040"/>
+                </a:solidFill>
+                <a:latin typeface="Courier New" panose="02070309020205020404"/>
+                <a:cs typeface="Courier New" panose="02070309020205020404"/>
+              </a:rPr>
+              <a:t>ocker</a:t>
+            </a:r>
+            <a:r>
+              <a:rPr lang="en-US" sz="3200" b="1" spc="-5" dirty="0">
+                <a:solidFill>
+                  <a:srgbClr val="404040"/>
+                </a:solidFill>
+                <a:latin typeface="Courier New" panose="02070309020205020404"/>
+                <a:cs typeface="Courier New" panose="02070309020205020404"/>
+              </a:rPr>
+              <a:t> </a:t>
+            </a:r>
+            <a:r>
               <a:rPr sz="3200" b="1" spc="-5" dirty="0">
                 <a:solidFill>
                   <a:srgbClr val="404040"/>
@@ -6287,7 +6527,7 @@
                 <a:latin typeface="Courier New" panose="02070309020205020404"/>
                 <a:cs typeface="Courier New" panose="02070309020205020404"/>
               </a:rPr>
-              <a:t>docker-compose</a:t>
+              <a:t>compose</a:t>
             </a:r>
             <a:r>
               <a:rPr sz="3200" b="1" dirty="0">
@@ -6309,7 +6549,7 @@
               </a:rPr>
               <a:t>down</a:t>
             </a:r>
-            <a:endParaRPr sz="3200">
+            <a:endParaRPr sz="3200" dirty="0">
               <a:latin typeface="Courier New" panose="02070309020205020404"/>
               <a:cs typeface="Courier New" panose="02070309020205020404"/>
             </a:endParaRPr>
@@ -6323,7 +6563,7 @@
           <p:nvPr/>
         </p:nvPicPr>
         <p:blipFill>
-          <a:blip r:embed="rId2" cstate="print"/>
+          <a:blip r:embed="rId3" cstate="print"/>
           <a:stretch>
             <a:fillRect/>
           </a:stretch>
@@ -6345,7 +6585,7 @@
           <p:nvPr/>
         </p:nvPicPr>
         <p:blipFill>
-          <a:blip r:embed="rId3" cstate="print"/>
+          <a:blip r:embed="rId4" cstate="print"/>
           <a:stretch>
             <a:fillRect/>
           </a:stretch>
@@ -6367,7 +6607,7 @@
           <p:nvPr/>
         </p:nvPicPr>
         <p:blipFill>
-          <a:blip r:embed="rId4" cstate="print"/>
+          <a:blip r:embed="rId5" cstate="print"/>
           <a:stretch>
             <a:fillRect/>
           </a:stretch>
@@ -6395,9 +6635,11 @@
         <p:spPr/>
         <p:txBody>
           <a:bodyPr/>
+          <a:lstStyle/>
           <a:p>
             <a:fld id="{B6F15528-21DE-4FAA-801E-634DDDAF4B2B}" type="slidenum">
               <a:rPr/>
+              <a:t>19</a:t>
             </a:fld>
             <a:endParaRPr/>
           </a:p>
@@ -6449,7 +6691,7 @@
             <p:nvPr/>
           </p:nvPicPr>
           <p:blipFill>
-            <a:blip r:embed="rId1" cstate="print"/>
+            <a:blip r:embed="rId2" cstate="print"/>
             <a:stretch>
               <a:fillRect/>
             </a:stretch>
@@ -6471,7 +6713,7 @@
             <p:nvPr/>
           </p:nvPicPr>
           <p:blipFill>
-            <a:blip r:embed="rId2" cstate="print"/>
+            <a:blip r:embed="rId3" cstate="print"/>
             <a:stretch>
               <a:fillRect/>
             </a:stretch>
@@ -6636,7 +6878,7 @@
           <p:nvPr/>
         </p:nvPicPr>
         <p:blipFill>
-          <a:blip r:embed="rId3" cstate="print"/>
+          <a:blip r:embed="rId4" cstate="print"/>
           <a:stretch>
             <a:fillRect/>
           </a:stretch>
@@ -6658,7 +6900,7 @@
           <p:nvPr/>
         </p:nvPicPr>
         <p:blipFill>
-          <a:blip r:embed="rId4" cstate="print"/>
+          <a:blip r:embed="rId5" cstate="print"/>
           <a:stretch>
             <a:fillRect/>
           </a:stretch>
@@ -6680,7 +6922,7 @@
           <p:nvPr/>
         </p:nvPicPr>
         <p:blipFill>
-          <a:blip r:embed="rId5" cstate="print"/>
+          <a:blip r:embed="rId6" cstate="print"/>
           <a:stretch>
             <a:fillRect/>
           </a:stretch>
@@ -6702,7 +6944,7 @@
           <p:nvPr/>
         </p:nvPicPr>
         <p:blipFill>
-          <a:blip r:embed="rId6" cstate="print"/>
+          <a:blip r:embed="rId7" cstate="print"/>
           <a:stretch>
             <a:fillRect/>
           </a:stretch>
@@ -6738,7 +6980,7 @@
             <p:nvPr/>
           </p:nvPicPr>
           <p:blipFill>
-            <a:blip r:embed="rId7" cstate="print"/>
+            <a:blip r:embed="rId8" cstate="print"/>
             <a:stretch>
               <a:fillRect/>
             </a:stretch>
@@ -6760,7 +7002,7 @@
             <p:nvPr/>
           </p:nvPicPr>
           <p:blipFill>
-            <a:blip r:embed="rId8" cstate="print"/>
+            <a:blip r:embed="rId9" cstate="print"/>
             <a:stretch>
               <a:fillRect/>
             </a:stretch>
@@ -6789,9 +7031,11 @@
         <p:spPr/>
         <p:txBody>
           <a:bodyPr/>
+          <a:lstStyle/>
           <a:p>
             <a:fld id="{B6F15528-21DE-4FAA-801E-634DDDAF4B2B}" type="slidenum">
               <a:rPr/>
+              <a:t>2</a:t>
             </a:fld>
             <a:endParaRPr/>
           </a:p>
@@ -6829,7 +7073,7 @@
           <p:nvPr/>
         </p:nvPicPr>
         <p:blipFill>
-          <a:blip r:embed="rId1" cstate="print"/>
+          <a:blip r:embed="rId2" cstate="print"/>
           <a:stretch>
             <a:fillRect/>
           </a:stretch>
@@ -6851,7 +7095,7 @@
           <p:nvPr/>
         </p:nvPicPr>
         <p:blipFill>
-          <a:blip r:embed="rId2" cstate="print"/>
+          <a:blip r:embed="rId3" cstate="print"/>
           <a:stretch>
             <a:fillRect/>
           </a:stretch>
@@ -6879,9 +7123,11 @@
         <p:spPr/>
         <p:txBody>
           <a:bodyPr/>
+          <a:lstStyle/>
           <a:p>
             <a:fld id="{B6F15528-21DE-4FAA-801E-634DDDAF4B2B}" type="slidenum">
               <a:rPr/>
+              <a:t>20</a:t>
             </a:fld>
             <a:endParaRPr/>
           </a:p>
@@ -6933,7 +7179,7 @@
             <p:nvPr/>
           </p:nvPicPr>
           <p:blipFill>
-            <a:blip r:embed="rId1" cstate="print"/>
+            <a:blip r:embed="rId2" cstate="print"/>
             <a:stretch>
               <a:fillRect/>
             </a:stretch>
@@ -6955,7 +7201,7 @@
             <p:nvPr/>
           </p:nvPicPr>
           <p:blipFill>
-            <a:blip r:embed="rId2" cstate="print"/>
+            <a:blip r:embed="rId3" cstate="print"/>
             <a:stretch>
               <a:fillRect/>
             </a:stretch>
@@ -7146,7 +7392,7 @@
             <p:nvPr/>
           </p:nvPicPr>
           <p:blipFill>
-            <a:blip r:embed="rId3" cstate="print"/>
+            <a:blip r:embed="rId4" cstate="print"/>
             <a:stretch>
               <a:fillRect/>
             </a:stretch>
@@ -7168,7 +7414,7 @@
             <p:nvPr/>
           </p:nvPicPr>
           <p:blipFill>
-            <a:blip r:embed="rId4" cstate="print"/>
+            <a:blip r:embed="rId5" cstate="print"/>
             <a:stretch>
               <a:fillRect/>
             </a:stretch>
@@ -7205,7 +7451,7 @@
             <p:nvPr/>
           </p:nvPicPr>
           <p:blipFill>
-            <a:blip r:embed="rId5" cstate="print"/>
+            <a:blip r:embed="rId6" cstate="print"/>
             <a:stretch>
               <a:fillRect/>
             </a:stretch>
@@ -7227,7 +7473,7 @@
             <p:nvPr/>
           </p:nvPicPr>
           <p:blipFill>
-            <a:blip r:embed="rId6" cstate="print"/>
+            <a:blip r:embed="rId7" cstate="print"/>
             <a:stretch>
               <a:fillRect/>
             </a:stretch>
@@ -7249,7 +7495,7 @@
             <p:nvPr/>
           </p:nvPicPr>
           <p:blipFill>
-            <a:blip r:embed="rId7" cstate="print"/>
+            <a:blip r:embed="rId8" cstate="print"/>
             <a:stretch>
               <a:fillRect/>
             </a:stretch>
@@ -7271,7 +7517,7 @@
             <p:nvPr/>
           </p:nvPicPr>
           <p:blipFill>
-            <a:blip r:embed="rId8" cstate="print"/>
+            <a:blip r:embed="rId9" cstate="print"/>
             <a:stretch>
               <a:fillRect/>
             </a:stretch>
@@ -7308,7 +7554,7 @@
             <p:nvPr/>
           </p:nvPicPr>
           <p:blipFill>
-            <a:blip r:embed="rId9" cstate="print"/>
+            <a:blip r:embed="rId10" cstate="print"/>
             <a:stretch>
               <a:fillRect/>
             </a:stretch>
@@ -7330,7 +7576,7 @@
             <p:nvPr/>
           </p:nvPicPr>
           <p:blipFill>
-            <a:blip r:embed="rId10" cstate="print"/>
+            <a:blip r:embed="rId11" cstate="print"/>
             <a:stretch>
               <a:fillRect/>
             </a:stretch>
@@ -7352,7 +7598,7 @@
             <p:nvPr/>
           </p:nvPicPr>
           <p:blipFill>
-            <a:blip r:embed="rId11" cstate="print"/>
+            <a:blip r:embed="rId12" cstate="print"/>
             <a:stretch>
               <a:fillRect/>
             </a:stretch>
@@ -7374,7 +7620,7 @@
             <p:nvPr/>
           </p:nvPicPr>
           <p:blipFill>
-            <a:blip r:embed="rId12" cstate="print"/>
+            <a:blip r:embed="rId13" cstate="print"/>
             <a:stretch>
               <a:fillRect/>
             </a:stretch>
@@ -7396,7 +7642,7 @@
             <p:nvPr/>
           </p:nvPicPr>
           <p:blipFill>
-            <a:blip r:embed="rId13" cstate="print"/>
+            <a:blip r:embed="rId14" cstate="print"/>
             <a:stretch>
               <a:fillRect/>
             </a:stretch>
@@ -7418,7 +7664,7 @@
             <p:nvPr/>
           </p:nvPicPr>
           <p:blipFill>
-            <a:blip r:embed="rId14" cstate="print"/>
+            <a:blip r:embed="rId15" cstate="print"/>
             <a:stretch>
               <a:fillRect/>
             </a:stretch>
@@ -7440,7 +7686,7 @@
             <p:nvPr/>
           </p:nvPicPr>
           <p:blipFill>
-            <a:blip r:embed="rId15" cstate="print"/>
+            <a:blip r:embed="rId16" cstate="print"/>
             <a:stretch>
               <a:fillRect/>
             </a:stretch>
@@ -7477,7 +7723,7 @@
             <p:nvPr/>
           </p:nvPicPr>
           <p:blipFill>
-            <a:blip r:embed="rId16" cstate="print"/>
+            <a:blip r:embed="rId17" cstate="print"/>
             <a:stretch>
               <a:fillRect/>
             </a:stretch>
@@ -7499,7 +7745,7 @@
             <p:nvPr/>
           </p:nvPicPr>
           <p:blipFill>
-            <a:blip r:embed="rId17" cstate="print"/>
+            <a:blip r:embed="rId18" cstate="print"/>
             <a:stretch>
               <a:fillRect/>
             </a:stretch>
@@ -7528,9 +7774,11 @@
         <p:spPr/>
         <p:txBody>
           <a:bodyPr/>
+          <a:lstStyle/>
           <a:p>
             <a:fld id="{B6F15528-21DE-4FAA-801E-634DDDAF4B2B}" type="slidenum">
               <a:rPr/>
+              <a:t>21</a:t>
             </a:fld>
             <a:endParaRPr/>
           </a:p>
@@ -7606,7 +7854,9 @@
         <p:txBody>
           <a:bodyPr wrap="square" lIns="0" tIns="0" rIns="0" bIns="0" rtlCol="0"/>
           <a:lstStyle/>
-          <a:p/>
+          <a:p>
+            <a:endParaRPr/>
+          </a:p>
         </p:txBody>
       </p:sp>
       <p:pic>
@@ -7616,7 +7866,7 @@
           <p:nvPr/>
         </p:nvPicPr>
         <p:blipFill>
-          <a:blip r:embed="rId1" cstate="print"/>
+          <a:blip r:embed="rId2" cstate="print"/>
           <a:stretch>
             <a:fillRect/>
           </a:stretch>
@@ -7644,9 +7894,11 @@
         <p:spPr/>
         <p:txBody>
           <a:bodyPr/>
+          <a:lstStyle/>
           <a:p>
             <a:fld id="{B6F15528-21DE-4FAA-801E-634DDDAF4B2B}" type="slidenum">
               <a:rPr/>
+              <a:t>22</a:t>
             </a:fld>
             <a:endParaRPr/>
           </a:p>
@@ -7684,7 +7936,7 @@
           <p:nvPr/>
         </p:nvPicPr>
         <p:blipFill>
-          <a:blip r:embed="rId1" cstate="print"/>
+          <a:blip r:embed="rId2" cstate="print"/>
           <a:stretch>
             <a:fillRect/>
           </a:stretch>
@@ -7706,7 +7958,7 @@
           <p:nvPr/>
         </p:nvPicPr>
         <p:blipFill>
-          <a:blip r:embed="rId2" cstate="print"/>
+          <a:blip r:embed="rId3" cstate="print"/>
           <a:stretch>
             <a:fillRect/>
           </a:stretch>
@@ -7734,9 +7986,11 @@
         <p:spPr/>
         <p:txBody>
           <a:bodyPr/>
+          <a:lstStyle/>
           <a:p>
             <a:fld id="{B6F15528-21DE-4FAA-801E-634DDDAF4B2B}" type="slidenum">
               <a:rPr/>
+              <a:t>3</a:t>
             </a:fld>
             <a:endParaRPr/>
           </a:p>
@@ -7902,7 +8156,9 @@
         <p:txBody>
           <a:bodyPr wrap="square" lIns="0" tIns="0" rIns="0" bIns="0" rtlCol="0"/>
           <a:lstStyle/>
-          <a:p/>
+          <a:p>
+            <a:endParaRPr/>
+          </a:p>
         </p:txBody>
       </p:sp>
       <p:sp>
@@ -8013,7 +8269,9 @@
         <p:txBody>
           <a:bodyPr wrap="square" lIns="0" tIns="0" rIns="0" bIns="0" rtlCol="0"/>
           <a:lstStyle/>
-          <a:p/>
+          <a:p>
+            <a:endParaRPr/>
+          </a:p>
         </p:txBody>
       </p:sp>
       <p:sp>
@@ -8113,7 +8371,9 @@
         <p:txBody>
           <a:bodyPr wrap="square" lIns="0" tIns="0" rIns="0" bIns="0" rtlCol="0"/>
           <a:lstStyle/>
-          <a:p/>
+          <a:p>
+            <a:endParaRPr/>
+          </a:p>
         </p:txBody>
       </p:sp>
       <p:grpSp>
@@ -8175,7 +8435,9 @@
           <p:txBody>
             <a:bodyPr wrap="square" lIns="0" tIns="0" rIns="0" bIns="0" rtlCol="0"/>
             <a:lstStyle/>
-            <a:p/>
+            <a:p>
+              <a:endParaRPr/>
+            </a:p>
           </p:txBody>
         </p:sp>
         <p:pic>
@@ -8185,7 +8447,7 @@
             <p:nvPr/>
           </p:nvPicPr>
           <p:blipFill>
-            <a:blip r:embed="rId1" cstate="print"/>
+            <a:blip r:embed="rId2" cstate="print"/>
             <a:stretch>
               <a:fillRect/>
             </a:stretch>
@@ -8260,7 +8522,9 @@
           <p:txBody>
             <a:bodyPr wrap="square" lIns="0" tIns="0" rIns="0" bIns="0" rtlCol="0"/>
             <a:lstStyle/>
-            <a:p/>
+            <a:p>
+              <a:endParaRPr/>
+            </a:p>
           </p:txBody>
         </p:sp>
         <p:pic>
@@ -8270,7 +8534,7 @@
             <p:nvPr/>
           </p:nvPicPr>
           <p:blipFill>
-            <a:blip r:embed="rId1" cstate="print"/>
+            <a:blip r:embed="rId2" cstate="print"/>
             <a:stretch>
               <a:fillRect/>
             </a:stretch>
@@ -8345,7 +8609,9 @@
           <p:txBody>
             <a:bodyPr wrap="square" lIns="0" tIns="0" rIns="0" bIns="0" rtlCol="0"/>
             <a:lstStyle/>
-            <a:p/>
+            <a:p>
+              <a:endParaRPr/>
+            </a:p>
           </p:txBody>
         </p:sp>
         <p:pic>
@@ -8355,7 +8621,7 @@
             <p:nvPr/>
           </p:nvPicPr>
           <p:blipFill>
-            <a:blip r:embed="rId1" cstate="print"/>
+            <a:blip r:embed="rId2" cstate="print"/>
             <a:stretch>
               <a:fillRect/>
             </a:stretch>
@@ -8430,7 +8696,9 @@
           <p:txBody>
             <a:bodyPr wrap="square" lIns="0" tIns="0" rIns="0" bIns="0" rtlCol="0"/>
             <a:lstStyle/>
-            <a:p/>
+            <a:p>
+              <a:endParaRPr/>
+            </a:p>
           </p:txBody>
         </p:sp>
         <p:pic>
@@ -8440,7 +8708,7 @@
             <p:nvPr/>
           </p:nvPicPr>
           <p:blipFill>
-            <a:blip r:embed="rId2" cstate="print"/>
+            <a:blip r:embed="rId3" cstate="print"/>
             <a:stretch>
               <a:fillRect/>
             </a:stretch>
@@ -8566,7 +8834,7 @@
           <p:nvPr/>
         </p:nvPicPr>
         <p:blipFill>
-          <a:blip r:embed="rId3" cstate="print"/>
+          <a:blip r:embed="rId4" cstate="print"/>
           <a:stretch>
             <a:fillRect/>
           </a:stretch>
@@ -8588,7 +8856,7 @@
           <p:nvPr/>
         </p:nvPicPr>
         <p:blipFill>
-          <a:blip r:embed="rId4" cstate="print"/>
+          <a:blip r:embed="rId5" cstate="print"/>
           <a:stretch>
             <a:fillRect/>
           </a:stretch>
@@ -8616,9 +8884,11 @@
         <p:spPr/>
         <p:txBody>
           <a:bodyPr/>
+          <a:lstStyle/>
           <a:p>
             <a:fld id="{B6F15528-21DE-4FAA-801E-634DDDAF4B2B}" type="slidenum">
               <a:rPr/>
+              <a:t>4</a:t>
             </a:fld>
             <a:endParaRPr/>
           </a:p>
@@ -8708,7 +8978,9 @@
           <p:txBody>
             <a:bodyPr wrap="square" lIns="0" tIns="0" rIns="0" bIns="0" rtlCol="0"/>
             <a:lstStyle/>
-            <a:p/>
+            <a:p>
+              <a:endParaRPr/>
+            </a:p>
           </p:txBody>
         </p:sp>
         <p:pic>
@@ -8718,7 +8990,7 @@
             <p:nvPr/>
           </p:nvPicPr>
           <p:blipFill>
-            <a:blip r:embed="rId1" cstate="print"/>
+            <a:blip r:embed="rId2" cstate="print"/>
             <a:stretch>
               <a:fillRect/>
             </a:stretch>
@@ -8793,7 +9065,9 @@
           <p:txBody>
             <a:bodyPr wrap="square" lIns="0" tIns="0" rIns="0" bIns="0" rtlCol="0"/>
             <a:lstStyle/>
-            <a:p/>
+            <a:p>
+              <a:endParaRPr/>
+            </a:p>
           </p:txBody>
         </p:sp>
         <p:pic>
@@ -8803,7 +9077,7 @@
             <p:nvPr/>
           </p:nvPicPr>
           <p:blipFill>
-            <a:blip r:embed="rId1" cstate="print"/>
+            <a:blip r:embed="rId2" cstate="print"/>
             <a:stretch>
               <a:fillRect/>
             </a:stretch>
@@ -8878,7 +9152,9 @@
           <p:txBody>
             <a:bodyPr wrap="square" lIns="0" tIns="0" rIns="0" bIns="0" rtlCol="0"/>
             <a:lstStyle/>
-            <a:p/>
+            <a:p>
+              <a:endParaRPr/>
+            </a:p>
           </p:txBody>
         </p:sp>
         <p:pic>
@@ -8888,7 +9164,7 @@
             <p:nvPr/>
           </p:nvPicPr>
           <p:blipFill>
-            <a:blip r:embed="rId1" cstate="print"/>
+            <a:blip r:embed="rId2" cstate="print"/>
             <a:stretch>
               <a:fillRect/>
             </a:stretch>
@@ -8963,7 +9239,9 @@
           <p:txBody>
             <a:bodyPr wrap="square" lIns="0" tIns="0" rIns="0" bIns="0" rtlCol="0"/>
             <a:lstStyle/>
-            <a:p/>
+            <a:p>
+              <a:endParaRPr/>
+            </a:p>
           </p:txBody>
         </p:sp>
         <p:pic>
@@ -8973,7 +9251,7 @@
             <p:nvPr/>
           </p:nvPicPr>
           <p:blipFill>
-            <a:blip r:embed="rId2" cstate="print"/>
+            <a:blip r:embed="rId3" cstate="print"/>
             <a:stretch>
               <a:fillRect/>
             </a:stretch>
@@ -8996,7 +9274,7 @@
           <p:nvPr/>
         </p:nvPicPr>
         <p:blipFill>
-          <a:blip r:embed="rId3" cstate="print"/>
+          <a:blip r:embed="rId4" cstate="print"/>
           <a:stretch>
             <a:fillRect/>
           </a:stretch>
@@ -9018,7 +9296,7 @@
           <p:nvPr/>
         </p:nvPicPr>
         <p:blipFill>
-          <a:blip r:embed="rId4" cstate="print"/>
+          <a:blip r:embed="rId5" cstate="print"/>
           <a:stretch>
             <a:fillRect/>
           </a:stretch>
@@ -9040,7 +9318,7 @@
           <p:nvPr/>
         </p:nvPicPr>
         <p:blipFill>
-          <a:blip r:embed="rId5" cstate="print"/>
+          <a:blip r:embed="rId6" cstate="print"/>
           <a:stretch>
             <a:fillRect/>
           </a:stretch>
@@ -9062,7 +9340,7 @@
           <p:nvPr/>
         </p:nvPicPr>
         <p:blipFill>
-          <a:blip r:embed="rId5" cstate="print"/>
+          <a:blip r:embed="rId6" cstate="print"/>
           <a:stretch>
             <a:fillRect/>
           </a:stretch>
@@ -9158,7 +9436,9 @@
         <p:txBody>
           <a:bodyPr wrap="square" lIns="0" tIns="0" rIns="0" bIns="0" rtlCol="0"/>
           <a:lstStyle/>
-          <a:p/>
+          <a:p>
+            <a:endParaRPr/>
+          </a:p>
         </p:txBody>
       </p:sp>
       <p:sp>
@@ -9174,9 +9454,11 @@
         <p:spPr/>
         <p:txBody>
           <a:bodyPr/>
+          <a:lstStyle/>
           <a:p>
             <a:fld id="{B6F15528-21DE-4FAA-801E-634DDDAF4B2B}" type="slidenum">
               <a:rPr/>
+              <a:t>5</a:t>
             </a:fld>
             <a:endParaRPr/>
           </a:p>
@@ -9214,7 +9496,7 @@
           <p:nvPr/>
         </p:nvPicPr>
         <p:blipFill>
-          <a:blip r:embed="rId1" cstate="print"/>
+          <a:blip r:embed="rId2" cstate="print"/>
           <a:stretch>
             <a:fillRect/>
           </a:stretch>
@@ -9354,11 +9636,6 @@
               </a:rPr>
               <a:t>isolated_network</a:t>
             </a:r>
-            <a:endParaRPr spc="-5" dirty="0">
-              <a:solidFill>
-                <a:srgbClr val="2A9FBB"/>
-              </a:solidFill>
-            </a:endParaRPr>
           </a:p>
         </p:txBody>
       </p:sp>
@@ -9464,7 +9741,9 @@
         <p:txBody>
           <a:bodyPr wrap="square" lIns="0" tIns="0" rIns="0" bIns="0" rtlCol="0"/>
           <a:lstStyle/>
-          <a:p/>
+          <a:p>
+            <a:endParaRPr/>
+          </a:p>
         </p:txBody>
       </p:sp>
       <p:grpSp>
@@ -9526,7 +9805,9 @@
           <p:txBody>
             <a:bodyPr wrap="square" lIns="0" tIns="0" rIns="0" bIns="0" rtlCol="0"/>
             <a:lstStyle/>
-            <a:p/>
+            <a:p>
+              <a:endParaRPr/>
+            </a:p>
           </p:txBody>
         </p:sp>
         <p:sp>
@@ -9576,7 +9857,9 @@
           <p:txBody>
             <a:bodyPr wrap="square" lIns="0" tIns="0" rIns="0" bIns="0" rtlCol="0"/>
             <a:lstStyle/>
-            <a:p/>
+            <a:p>
+              <a:endParaRPr/>
+            </a:p>
           </p:txBody>
         </p:sp>
         <p:pic>
@@ -9586,7 +9869,7 @@
             <p:nvPr/>
           </p:nvPicPr>
           <p:blipFill>
-            <a:blip r:embed="rId2" cstate="print"/>
+            <a:blip r:embed="rId3" cstate="print"/>
             <a:stretch>
               <a:fillRect/>
             </a:stretch>
@@ -9686,7 +9969,9 @@
         <p:txBody>
           <a:bodyPr wrap="square" lIns="0" tIns="0" rIns="0" bIns="0" rtlCol="0"/>
           <a:lstStyle/>
-          <a:p/>
+          <a:p>
+            <a:endParaRPr/>
+          </a:p>
         </p:txBody>
       </p:sp>
       <p:grpSp>
@@ -9748,7 +10033,9 @@
           <p:txBody>
             <a:bodyPr wrap="square" lIns="0" tIns="0" rIns="0" bIns="0" rtlCol="0"/>
             <a:lstStyle/>
-            <a:p/>
+            <a:p>
+              <a:endParaRPr/>
+            </a:p>
           </p:txBody>
         </p:sp>
         <p:sp>
@@ -9798,7 +10085,9 @@
           <p:txBody>
             <a:bodyPr wrap="square" lIns="0" tIns="0" rIns="0" bIns="0" rtlCol="0"/>
             <a:lstStyle/>
-            <a:p/>
+            <a:p>
+              <a:endParaRPr/>
+            </a:p>
           </p:txBody>
         </p:sp>
         <p:pic>
@@ -9808,7 +10097,7 @@
             <p:nvPr/>
           </p:nvPicPr>
           <p:blipFill>
-            <a:blip r:embed="rId3" cstate="print"/>
+            <a:blip r:embed="rId4" cstate="print"/>
             <a:stretch>
               <a:fillRect/>
             </a:stretch>
@@ -9926,7 +10215,9 @@
         <p:txBody>
           <a:bodyPr wrap="square" lIns="0" tIns="0" rIns="0" bIns="0" rtlCol="0"/>
           <a:lstStyle/>
-          <a:p/>
+          <a:p>
+            <a:endParaRPr/>
+          </a:p>
         </p:txBody>
       </p:sp>
       <p:grpSp>
@@ -9988,7 +10279,9 @@
           <p:txBody>
             <a:bodyPr wrap="square" lIns="0" tIns="0" rIns="0" bIns="0" rtlCol="0"/>
             <a:lstStyle/>
-            <a:p/>
+            <a:p>
+              <a:endParaRPr/>
+            </a:p>
           </p:txBody>
         </p:sp>
         <p:sp>
@@ -10038,7 +10331,9 @@
           <p:txBody>
             <a:bodyPr wrap="square" lIns="0" tIns="0" rIns="0" bIns="0" rtlCol="0"/>
             <a:lstStyle/>
-            <a:p/>
+            <a:p>
+              <a:endParaRPr/>
+            </a:p>
           </p:txBody>
         </p:sp>
         <p:pic>
@@ -10048,7 +10343,7 @@
             <p:nvPr/>
           </p:nvPicPr>
           <p:blipFill>
-            <a:blip r:embed="rId4" cstate="print"/>
+            <a:blip r:embed="rId5" cstate="print"/>
             <a:stretch>
               <a:fillRect/>
             </a:stretch>
@@ -10077,9 +10372,11 @@
         <p:spPr/>
         <p:txBody>
           <a:bodyPr/>
+          <a:lstStyle/>
           <a:p>
             <a:fld id="{B6F15528-21DE-4FAA-801E-634DDDAF4B2B}" type="slidenum">
               <a:rPr/>
+              <a:t>6</a:t>
             </a:fld>
             <a:endParaRPr/>
           </a:p>
@@ -10169,7 +10466,9 @@
           <p:txBody>
             <a:bodyPr wrap="square" lIns="0" tIns="0" rIns="0" bIns="0" rtlCol="0"/>
             <a:lstStyle/>
-            <a:p/>
+            <a:p>
+              <a:endParaRPr/>
+            </a:p>
           </p:txBody>
         </p:sp>
         <p:pic>
@@ -10179,7 +10478,7 @@
             <p:nvPr/>
           </p:nvPicPr>
           <p:blipFill>
-            <a:blip r:embed="rId1" cstate="print"/>
+            <a:blip r:embed="rId2" cstate="print"/>
             <a:stretch>
               <a:fillRect/>
             </a:stretch>
@@ -10344,7 +10643,9 @@
           <p:txBody>
             <a:bodyPr wrap="square" lIns="0" tIns="0" rIns="0" bIns="0" rtlCol="0"/>
             <a:lstStyle/>
-            <a:p/>
+            <a:p>
+              <a:endParaRPr/>
+            </a:p>
           </p:txBody>
         </p:sp>
         <p:sp>
@@ -10392,7 +10693,9 @@
           <p:txBody>
             <a:bodyPr wrap="square" lIns="0" tIns="0" rIns="0" bIns="0" rtlCol="0"/>
             <a:lstStyle/>
-            <a:p/>
+            <a:p>
+              <a:endParaRPr/>
+            </a:p>
           </p:txBody>
         </p:sp>
         <p:pic>
@@ -10402,7 +10705,7 @@
             <p:nvPr/>
           </p:nvPicPr>
           <p:blipFill>
-            <a:blip r:embed="rId2" cstate="print"/>
+            <a:blip r:embed="rId3" cstate="print"/>
             <a:stretch>
               <a:fillRect/>
             </a:stretch>
@@ -10462,7 +10765,9 @@
           <p:txBody>
             <a:bodyPr wrap="square" lIns="0" tIns="0" rIns="0" bIns="0" rtlCol="0"/>
             <a:lstStyle/>
-            <a:p/>
+            <a:p>
+              <a:endParaRPr/>
+            </a:p>
           </p:txBody>
         </p:sp>
         <p:pic>
@@ -10472,7 +10777,7 @@
             <p:nvPr/>
           </p:nvPicPr>
           <p:blipFill>
-            <a:blip r:embed="rId2" cstate="print"/>
+            <a:blip r:embed="rId3" cstate="print"/>
             <a:stretch>
               <a:fillRect/>
             </a:stretch>
@@ -10532,7 +10837,9 @@
           <p:txBody>
             <a:bodyPr wrap="square" lIns="0" tIns="0" rIns="0" bIns="0" rtlCol="0"/>
             <a:lstStyle/>
-            <a:p/>
+            <a:p>
+              <a:endParaRPr/>
+            </a:p>
           </p:txBody>
         </p:sp>
         <p:pic>
@@ -10542,7 +10849,7 @@
             <p:nvPr/>
           </p:nvPicPr>
           <p:blipFill>
-            <a:blip r:embed="rId2" cstate="print"/>
+            <a:blip r:embed="rId3" cstate="print"/>
             <a:stretch>
               <a:fillRect/>
             </a:stretch>
@@ -10602,7 +10909,9 @@
           <p:txBody>
             <a:bodyPr wrap="square" lIns="0" tIns="0" rIns="0" bIns="0" rtlCol="0"/>
             <a:lstStyle/>
-            <a:p/>
+            <a:p>
+              <a:endParaRPr/>
+            </a:p>
           </p:txBody>
         </p:sp>
         <p:pic>
@@ -10612,7 +10921,7 @@
             <p:nvPr/>
           </p:nvPicPr>
           <p:blipFill>
-            <a:blip r:embed="rId3" cstate="print"/>
+            <a:blip r:embed="rId4" cstate="print"/>
             <a:stretch>
               <a:fillRect/>
             </a:stretch>
@@ -10634,7 +10943,7 @@
             <p:nvPr/>
           </p:nvPicPr>
           <p:blipFill>
-            <a:blip r:embed="rId4" cstate="print"/>
+            <a:blip r:embed="rId5" cstate="print"/>
             <a:stretch>
               <a:fillRect/>
             </a:stretch>
@@ -10709,7 +11018,9 @@
           <p:txBody>
             <a:bodyPr wrap="square" lIns="0" tIns="0" rIns="0" bIns="0" rtlCol="0"/>
             <a:lstStyle/>
-            <a:p/>
+            <a:p>
+              <a:endParaRPr/>
+            </a:p>
           </p:txBody>
         </p:sp>
         <p:pic>
@@ -10719,7 +11030,7 @@
             <p:nvPr/>
           </p:nvPicPr>
           <p:blipFill>
-            <a:blip r:embed="rId5" cstate="print"/>
+            <a:blip r:embed="rId6" cstate="print"/>
             <a:stretch>
               <a:fillRect/>
             </a:stretch>
@@ -10794,7 +11105,9 @@
           <p:txBody>
             <a:bodyPr wrap="square" lIns="0" tIns="0" rIns="0" bIns="0" rtlCol="0"/>
             <a:lstStyle/>
-            <a:p/>
+            <a:p>
+              <a:endParaRPr/>
+            </a:p>
           </p:txBody>
         </p:sp>
         <p:pic>
@@ -10804,7 +11117,7 @@
             <p:nvPr/>
           </p:nvPicPr>
           <p:blipFill>
-            <a:blip r:embed="rId5" cstate="print"/>
+            <a:blip r:embed="rId6" cstate="print"/>
             <a:stretch>
               <a:fillRect/>
             </a:stretch>
@@ -10879,7 +11192,9 @@
           <p:txBody>
             <a:bodyPr wrap="square" lIns="0" tIns="0" rIns="0" bIns="0" rtlCol="0"/>
             <a:lstStyle/>
-            <a:p/>
+            <a:p>
+              <a:endParaRPr/>
+            </a:p>
           </p:txBody>
         </p:sp>
         <p:pic>
@@ -10889,7 +11204,7 @@
             <p:nvPr/>
           </p:nvPicPr>
           <p:blipFill>
-            <a:blip r:embed="rId6" cstate="print"/>
+            <a:blip r:embed="rId7" cstate="print"/>
             <a:stretch>
               <a:fillRect/>
             </a:stretch>
@@ -11003,7 +11318,9 @@
           <p:txBody>
             <a:bodyPr wrap="square" lIns="0" tIns="0" rIns="0" bIns="0" rtlCol="0"/>
             <a:lstStyle/>
-            <a:p/>
+            <a:p>
+              <a:endParaRPr/>
+            </a:p>
           </p:txBody>
         </p:sp>
         <p:pic>
@@ -11013,7 +11330,7 @@
             <p:nvPr/>
           </p:nvPicPr>
           <p:blipFill>
-            <a:blip r:embed="rId7" cstate="print"/>
+            <a:blip r:embed="rId8" cstate="print"/>
             <a:stretch>
               <a:fillRect/>
             </a:stretch>
@@ -11115,7 +11432,9 @@
           <p:txBody>
             <a:bodyPr wrap="square" lIns="0" tIns="0" rIns="0" bIns="0" rtlCol="0"/>
             <a:lstStyle/>
-            <a:p/>
+            <a:p>
+              <a:endParaRPr/>
+            </a:p>
           </p:txBody>
         </p:sp>
         <p:pic>
@@ -11125,7 +11444,7 @@
             <p:nvPr/>
           </p:nvPicPr>
           <p:blipFill>
-            <a:blip r:embed="rId7" cstate="print"/>
+            <a:blip r:embed="rId8" cstate="print"/>
             <a:stretch>
               <a:fillRect/>
             </a:stretch>
@@ -11147,7 +11466,7 @@
             <p:nvPr/>
           </p:nvPicPr>
           <p:blipFill>
-            <a:blip r:embed="rId8" cstate="print"/>
+            <a:blip r:embed="rId9" cstate="print"/>
             <a:stretch>
               <a:fillRect/>
             </a:stretch>
@@ -11176,9 +11495,11 @@
         <p:spPr/>
         <p:txBody>
           <a:bodyPr/>
+          <a:lstStyle/>
           <a:p>
             <a:fld id="{B6F15528-21DE-4FAA-801E-634DDDAF4B2B}" type="slidenum">
               <a:rPr/>
+              <a:t>7</a:t>
             </a:fld>
             <a:endParaRPr/>
           </a:p>
@@ -11246,7 +11567,9 @@
         <p:txBody>
           <a:bodyPr wrap="square" lIns="0" tIns="0" rIns="0" bIns="0" rtlCol="0"/>
           <a:lstStyle/>
-          <a:p/>
+          <a:p>
+            <a:endParaRPr/>
+          </a:p>
         </p:txBody>
       </p:sp>
       <p:sp>
@@ -11286,7 +11609,9 @@
         <p:txBody>
           <a:bodyPr wrap="square" lIns="0" tIns="0" rIns="0" bIns="0" rtlCol="0"/>
           <a:lstStyle/>
-          <a:p/>
+          <a:p>
+            <a:endParaRPr/>
+          </a:p>
         </p:txBody>
       </p:sp>
       <p:sp>
@@ -11326,7 +11651,9 @@
         <p:txBody>
           <a:bodyPr wrap="square" lIns="0" tIns="0" rIns="0" bIns="0" rtlCol="0"/>
           <a:lstStyle/>
-          <a:p/>
+          <a:p>
+            <a:endParaRPr/>
+          </a:p>
         </p:txBody>
       </p:sp>
       <p:pic>
@@ -11336,7 +11663,7 @@
           <p:nvPr/>
         </p:nvPicPr>
         <p:blipFill>
-          <a:blip r:embed="rId1" cstate="print"/>
+          <a:blip r:embed="rId2" cstate="print"/>
           <a:stretch>
             <a:fillRect/>
           </a:stretch>
@@ -11606,7 +11933,7 @@
           <p:nvPr/>
         </p:nvPicPr>
         <p:blipFill>
-          <a:blip r:embed="rId2" cstate="print"/>
+          <a:blip r:embed="rId3" cstate="print"/>
           <a:stretch>
             <a:fillRect/>
           </a:stretch>
@@ -11628,7 +11955,7 @@
           <p:nvPr/>
         </p:nvPicPr>
         <p:blipFill>
-          <a:blip r:embed="rId3" cstate="print"/>
+          <a:blip r:embed="rId4" cstate="print"/>
           <a:stretch>
             <a:fillRect/>
           </a:stretch>
@@ -11650,7 +11977,7 @@
           <p:nvPr/>
         </p:nvPicPr>
         <p:blipFill>
-          <a:blip r:embed="rId4" cstate="print"/>
+          <a:blip r:embed="rId5" cstate="print"/>
           <a:stretch>
             <a:fillRect/>
           </a:stretch>
@@ -11678,9 +12005,11 @@
         <p:spPr/>
         <p:txBody>
           <a:bodyPr/>
+          <a:lstStyle/>
           <a:p>
             <a:fld id="{B6F15528-21DE-4FAA-801E-634DDDAF4B2B}" type="slidenum">
               <a:rPr/>
+              <a:t>8</a:t>
             </a:fld>
             <a:endParaRPr/>
           </a:p>
@@ -11718,7 +12047,7 @@
           <p:nvPr/>
         </p:nvPicPr>
         <p:blipFill>
-          <a:blip r:embed="rId1" cstate="print"/>
+          <a:blip r:embed="rId2" cstate="print"/>
           <a:stretch>
             <a:fillRect/>
           </a:stretch>
@@ -11740,7 +12069,7 @@
           <p:nvPr/>
         </p:nvPicPr>
         <p:blipFill>
-          <a:blip r:embed="rId2" cstate="print"/>
+          <a:blip r:embed="rId3" cstate="print"/>
           <a:stretch>
             <a:fillRect/>
           </a:stretch>
@@ -11768,9 +12097,11 @@
         <p:spPr/>
         <p:txBody>
           <a:bodyPr/>
+          <a:lstStyle/>
           <a:p>
             <a:fld id="{B6F15528-21DE-4FAA-801E-634DDDAF4B2B}" type="slidenum">
               <a:rPr/>
+              <a:t>9</a:t>
             </a:fld>
             <a:endParaRPr/>
           </a:p>
@@ -12062,6 +12393,8 @@
       </a:bgFillStyleLst>
     </a:fmtScheme>
   </a:themeElements>
+  <a:objectDefaults/>
+  <a:extraClrSchemeLst/>
   <a:extLst>
     <a:ext uri="{05A4C25C-085E-4340-85A3-A5531E510DB2}">
       <thm15:themeFamily xmlns:thm15="http://schemas.microsoft.com/office/thememl/2012/main" name="Office Theme" id="{62F939B6-93AF-4DB8-9C6B-D6C7DFDC589F}" vid="{4A3C46E8-61CC-4603-A589-7422A47A8E4A}"/>
@@ -12321,6 +12654,8 @@
       </a:bgFillStyleLst>
     </a:fmtScheme>
   </a:themeElements>
+  <a:objectDefaults/>
+  <a:extraClrSchemeLst/>
   <a:extLst>
     <a:ext uri="{05A4C25C-085E-4340-85A3-A5531E510DB2}">
       <thm15:themeFamily xmlns:thm15="http://schemas.microsoft.com/office/thememl/2012/main" name="Office Theme" id="{62F939B6-93AF-4DB8-9C6B-D6C7DFDC589F}" vid="{4A3C46E8-61CC-4603-A589-7422A47A8E4A}"/>
